--- a/template.pptx
+++ b/template.pptx
@@ -2,20 +2,18 @@
 <file path=ppt/presentation.xml><?xml version="1.0" encoding="utf-8"?>
 <p:presentation xmlns:a="http://schemas.openxmlformats.org/drawingml/2006/main" xmlns:r="http://schemas.openxmlformats.org/officeDocument/2006/relationships" xmlns:p="http://schemas.openxmlformats.org/presentationml/2006/main" saveSubsetFonts="1">
   <p:sldMasterIdLst>
-    <p:sldMasterId id="2147483672" r:id="rId1"/>
+    <p:sldMasterId id="2147483684" r:id="rId1"/>
   </p:sldMasterIdLst>
   <p:notesMasterIdLst>
-    <p:notesMasterId r:id="rId8"/>
+    <p:notesMasterId r:id="rId6"/>
   </p:notesMasterIdLst>
   <p:sldIdLst>
     <p:sldId id="256" r:id="rId2"/>
     <p:sldId id="257" r:id="rId3"/>
     <p:sldId id="258" r:id="rId4"/>
     <p:sldId id="259" r:id="rId5"/>
-    <p:sldId id="260" r:id="rId6"/>
-    <p:sldId id="261" r:id="rId7"/>
   </p:sldIdLst>
-  <p:sldSz cx="34290000" cy="49528413"/>
+  <p:sldSz cx="9601200" cy="12801600" type="A3"/>
   <p:notesSz cx="7099300" cy="10234613"/>
   <p:defaultTextStyle>
     <a:defPPr>
@@ -202,7 +200,7 @@
           <a:p>
             <a:fld id="{66C30A32-BB89-43B0-8922-0D578BDD859B}" type="datetimeFigureOut">
               <a:rPr lang="en-US" smtClean="0"/>
-              <a:t>3/20/2021</a:t>
+              <a:t>6/29/2021</a:t>
             </a:fld>
             <a:endParaRPr lang="en-US"/>
           </a:p>
@@ -220,8 +218,8 @@
         </p:nvSpPr>
         <p:spPr>
           <a:xfrm>
-            <a:off x="2354263" y="1279525"/>
-            <a:ext cx="2390775" cy="3454400"/>
+            <a:off x="2254250" y="1279525"/>
+            <a:ext cx="2590800" cy="3454400"/>
           </a:xfrm>
           <a:prstGeom prst="rect">
             <a:avLst/>
@@ -375,8 +373,8 @@
   </p:cSld>
   <p:clrMap bg1="lt1" tx1="dk1" bg2="lt2" tx2="dk2" accent1="accent1" accent2="accent2" accent3="accent3" accent4="accent4" accent5="accent5" accent6="accent6" hlink="hlink" folHlink="folHlink"/>
   <p:notesStyle>
-    <a:lvl1pPr marL="0" algn="l" defTabSz="4571909" rtl="0" eaLnBrk="1" latinLnBrk="0" hangingPunct="1">
-      <a:defRPr sz="6000" kern="1200">
+    <a:lvl1pPr marL="0" algn="l" defTabSz="1221614" rtl="0" eaLnBrk="1" latinLnBrk="0" hangingPunct="1">
+      <a:defRPr sz="1603" kern="1200">
         <a:solidFill>
           <a:schemeClr val="tx1"/>
         </a:solidFill>
@@ -385,8 +383,8 @@
         <a:cs typeface="+mn-cs"/>
       </a:defRPr>
     </a:lvl1pPr>
-    <a:lvl2pPr marL="2285954" algn="l" defTabSz="4571909" rtl="0" eaLnBrk="1" latinLnBrk="0" hangingPunct="1">
-      <a:defRPr sz="6000" kern="1200">
+    <a:lvl2pPr marL="610807" algn="l" defTabSz="1221614" rtl="0" eaLnBrk="1" latinLnBrk="0" hangingPunct="1">
+      <a:defRPr sz="1603" kern="1200">
         <a:solidFill>
           <a:schemeClr val="tx1"/>
         </a:solidFill>
@@ -395,8 +393,8 @@
         <a:cs typeface="+mn-cs"/>
       </a:defRPr>
     </a:lvl2pPr>
-    <a:lvl3pPr marL="4571909" algn="l" defTabSz="4571909" rtl="0" eaLnBrk="1" latinLnBrk="0" hangingPunct="1">
-      <a:defRPr sz="6000" kern="1200">
+    <a:lvl3pPr marL="1221614" algn="l" defTabSz="1221614" rtl="0" eaLnBrk="1" latinLnBrk="0" hangingPunct="1">
+      <a:defRPr sz="1603" kern="1200">
         <a:solidFill>
           <a:schemeClr val="tx1"/>
         </a:solidFill>
@@ -405,8 +403,8 @@
         <a:cs typeface="+mn-cs"/>
       </a:defRPr>
     </a:lvl3pPr>
-    <a:lvl4pPr marL="6857863" algn="l" defTabSz="4571909" rtl="0" eaLnBrk="1" latinLnBrk="0" hangingPunct="1">
-      <a:defRPr sz="6000" kern="1200">
+    <a:lvl4pPr marL="1832421" algn="l" defTabSz="1221614" rtl="0" eaLnBrk="1" latinLnBrk="0" hangingPunct="1">
+      <a:defRPr sz="1603" kern="1200">
         <a:solidFill>
           <a:schemeClr val="tx1"/>
         </a:solidFill>
@@ -415,8 +413,8 @@
         <a:cs typeface="+mn-cs"/>
       </a:defRPr>
     </a:lvl4pPr>
-    <a:lvl5pPr marL="9143817" algn="l" defTabSz="4571909" rtl="0" eaLnBrk="1" latinLnBrk="0" hangingPunct="1">
-      <a:defRPr sz="6000" kern="1200">
+    <a:lvl5pPr marL="2443228" algn="l" defTabSz="1221614" rtl="0" eaLnBrk="1" latinLnBrk="0" hangingPunct="1">
+      <a:defRPr sz="1603" kern="1200">
         <a:solidFill>
           <a:schemeClr val="tx1"/>
         </a:solidFill>
@@ -425,8 +423,8 @@
         <a:cs typeface="+mn-cs"/>
       </a:defRPr>
     </a:lvl5pPr>
-    <a:lvl6pPr marL="11429771" algn="l" defTabSz="4571909" rtl="0" eaLnBrk="1" latinLnBrk="0" hangingPunct="1">
-      <a:defRPr sz="6000" kern="1200">
+    <a:lvl6pPr marL="3054035" algn="l" defTabSz="1221614" rtl="0" eaLnBrk="1" latinLnBrk="0" hangingPunct="1">
+      <a:defRPr sz="1603" kern="1200">
         <a:solidFill>
           <a:schemeClr val="tx1"/>
         </a:solidFill>
@@ -435,8 +433,8 @@
         <a:cs typeface="+mn-cs"/>
       </a:defRPr>
     </a:lvl6pPr>
-    <a:lvl7pPr marL="13715726" algn="l" defTabSz="4571909" rtl="0" eaLnBrk="1" latinLnBrk="0" hangingPunct="1">
-      <a:defRPr sz="6000" kern="1200">
+    <a:lvl7pPr marL="3664842" algn="l" defTabSz="1221614" rtl="0" eaLnBrk="1" latinLnBrk="0" hangingPunct="1">
+      <a:defRPr sz="1603" kern="1200">
         <a:solidFill>
           <a:schemeClr val="tx1"/>
         </a:solidFill>
@@ -445,8 +443,8 @@
         <a:cs typeface="+mn-cs"/>
       </a:defRPr>
     </a:lvl7pPr>
-    <a:lvl8pPr marL="16001680" algn="l" defTabSz="4571909" rtl="0" eaLnBrk="1" latinLnBrk="0" hangingPunct="1">
-      <a:defRPr sz="6000" kern="1200">
+    <a:lvl8pPr marL="4275649" algn="l" defTabSz="1221614" rtl="0" eaLnBrk="1" latinLnBrk="0" hangingPunct="1">
+      <a:defRPr sz="1603" kern="1200">
         <a:solidFill>
           <a:schemeClr val="tx1"/>
         </a:solidFill>
@@ -455,8 +453,8 @@
         <a:cs typeface="+mn-cs"/>
       </a:defRPr>
     </a:lvl8pPr>
-    <a:lvl9pPr marL="18287634" algn="l" defTabSz="4571909" rtl="0" eaLnBrk="1" latinLnBrk="0" hangingPunct="1">
-      <a:defRPr sz="6000" kern="1200">
+    <a:lvl9pPr marL="4886456" algn="l" defTabSz="1221614" rtl="0" eaLnBrk="1" latinLnBrk="0" hangingPunct="1">
+      <a:defRPr sz="1603" kern="1200">
         <a:solidFill>
           <a:schemeClr val="tx1"/>
         </a:solidFill>
@@ -498,15 +496,15 @@
         </p:nvSpPr>
         <p:spPr>
           <a:xfrm>
-            <a:off x="2571750" y="8105695"/>
-            <a:ext cx="29146500" cy="17243225"/>
+            <a:off x="720090" y="2095078"/>
+            <a:ext cx="8161020" cy="4456853"/>
           </a:xfrm>
         </p:spPr>
         <p:txBody>
           <a:bodyPr anchor="b"/>
           <a:lstStyle>
             <a:lvl1pPr algn="ctr">
-              <a:defRPr sz="22500"/>
+              <a:defRPr sz="6300"/>
             </a:lvl1pPr>
           </a:lstStyle>
           <a:p>
@@ -530,8 +528,8 @@
         </p:nvSpPr>
         <p:spPr>
           <a:xfrm>
-            <a:off x="4286250" y="26013885"/>
-            <a:ext cx="25717500" cy="11957898"/>
+            <a:off x="1200150" y="6723804"/>
+            <a:ext cx="7200900" cy="3090756"/>
           </a:xfrm>
         </p:spPr>
         <p:txBody>
@@ -539,39 +537,39 @@
           <a:lstStyle>
             <a:lvl1pPr marL="0" indent="0" algn="ctr">
               <a:buNone/>
-              <a:defRPr sz="9000"/>
+              <a:defRPr sz="2520"/>
             </a:lvl1pPr>
-            <a:lvl2pPr marL="1714500" indent="0" algn="ctr">
-              <a:buNone/>
-              <a:defRPr sz="7500"/>
+            <a:lvl2pPr marL="480060" indent="0" algn="ctr">
+              <a:buNone/>
+              <a:defRPr sz="2100"/>
             </a:lvl2pPr>
-            <a:lvl3pPr marL="3429000" indent="0" algn="ctr">
-              <a:buNone/>
-              <a:defRPr sz="6750"/>
+            <a:lvl3pPr marL="960120" indent="0" algn="ctr">
+              <a:buNone/>
+              <a:defRPr sz="1890"/>
             </a:lvl3pPr>
-            <a:lvl4pPr marL="5143500" indent="0" algn="ctr">
-              <a:buNone/>
-              <a:defRPr sz="6000"/>
+            <a:lvl4pPr marL="1440180" indent="0" algn="ctr">
+              <a:buNone/>
+              <a:defRPr sz="1680"/>
             </a:lvl4pPr>
-            <a:lvl5pPr marL="6858000" indent="0" algn="ctr">
-              <a:buNone/>
-              <a:defRPr sz="6000"/>
+            <a:lvl5pPr marL="1920240" indent="0" algn="ctr">
+              <a:buNone/>
+              <a:defRPr sz="1680"/>
             </a:lvl5pPr>
-            <a:lvl6pPr marL="8572500" indent="0" algn="ctr">
-              <a:buNone/>
-              <a:defRPr sz="6000"/>
+            <a:lvl6pPr marL="2400300" indent="0" algn="ctr">
+              <a:buNone/>
+              <a:defRPr sz="1680"/>
             </a:lvl6pPr>
-            <a:lvl7pPr marL="10287000" indent="0" algn="ctr">
-              <a:buNone/>
-              <a:defRPr sz="6000"/>
+            <a:lvl7pPr marL="2880360" indent="0" algn="ctr">
+              <a:buNone/>
+              <a:defRPr sz="1680"/>
             </a:lvl7pPr>
-            <a:lvl8pPr marL="12001500" indent="0" algn="ctr">
-              <a:buNone/>
-              <a:defRPr sz="6000"/>
+            <a:lvl8pPr marL="3360420" indent="0" algn="ctr">
+              <a:buNone/>
+              <a:defRPr sz="1680"/>
             </a:lvl8pPr>
-            <a:lvl9pPr marL="13716000" indent="0" algn="ctr">
-              <a:buNone/>
-              <a:defRPr sz="6000"/>
+            <a:lvl9pPr marL="3840480" indent="0" algn="ctr">
+              <a:buNone/>
+              <a:defRPr sz="1680"/>
             </a:lvl9pPr>
           </a:lstStyle>
           <a:p>
@@ -600,7 +598,7 @@
           <a:p>
             <a:fld id="{CFE3E035-2E21-442A-AB6D-1376458E0964}" type="datetime1">
               <a:rPr lang="en-US" smtClean="0"/>
-              <a:t>3/20/2021</a:t>
+              <a:t>6/29/2021</a:t>
             </a:fld>
             <a:endParaRPr lang="en-US"/>
           </a:p>
@@ -651,7 +649,7 @@
     </p:spTree>
     <p:extLst>
       <p:ext uri="{BB962C8B-B14F-4D97-AF65-F5344CB8AC3E}">
-        <p14:creationId xmlns:p14="http://schemas.microsoft.com/office/powerpoint/2010/main" val="1326838956"/>
+        <p14:creationId xmlns:p14="http://schemas.microsoft.com/office/powerpoint/2010/main" val="3016482907"/>
       </p:ext>
     </p:extLst>
   </p:cSld>
@@ -770,7 +768,7 @@
           <a:p>
             <a:fld id="{2DED15D3-09E0-46A9-974C-FDB8F83BB1C9}" type="datetime1">
               <a:rPr lang="en-US" smtClean="0"/>
-              <a:t>3/20/2021</a:t>
+              <a:t>6/29/2021</a:t>
             </a:fld>
             <a:endParaRPr lang="en-US"/>
           </a:p>
@@ -821,7 +819,7 @@
     </p:spTree>
     <p:extLst>
       <p:ext uri="{BB962C8B-B14F-4D97-AF65-F5344CB8AC3E}">
-        <p14:creationId xmlns:p14="http://schemas.microsoft.com/office/powerpoint/2010/main" val="1943650301"/>
+        <p14:creationId xmlns:p14="http://schemas.microsoft.com/office/powerpoint/2010/main" val="42047424"/>
       </p:ext>
     </p:extLst>
   </p:cSld>
@@ -860,8 +858,8 @@
         </p:nvSpPr>
         <p:spPr>
           <a:xfrm>
-            <a:off x="24538783" y="2636929"/>
-            <a:ext cx="7393781" cy="41973041"/>
+            <a:off x="6870859" y="681567"/>
+            <a:ext cx="2070259" cy="10848764"/>
           </a:xfrm>
         </p:spPr>
         <p:txBody>
@@ -888,8 +886,8 @@
         </p:nvSpPr>
         <p:spPr>
           <a:xfrm>
-            <a:off x="2357439" y="2636929"/>
-            <a:ext cx="21752719" cy="41973041"/>
+            <a:off x="660083" y="681567"/>
+            <a:ext cx="6090761" cy="10848764"/>
           </a:xfrm>
         </p:spPr>
         <p:txBody>
@@ -950,7 +948,7 @@
           <a:p>
             <a:fld id="{2CE759AC-E37C-47C0-8489-7812E1BCD735}" type="datetime1">
               <a:rPr lang="en-US" smtClean="0"/>
-              <a:t>3/20/2021</a:t>
+              <a:t>6/29/2021</a:t>
             </a:fld>
             <a:endParaRPr lang="en-US"/>
           </a:p>
@@ -1001,7 +999,7 @@
     </p:spTree>
     <p:extLst>
       <p:ext uri="{BB962C8B-B14F-4D97-AF65-F5344CB8AC3E}">
-        <p14:creationId xmlns:p14="http://schemas.microsoft.com/office/powerpoint/2010/main" val="3097335233"/>
+        <p14:creationId xmlns:p14="http://schemas.microsoft.com/office/powerpoint/2010/main" val="975879134"/>
       </p:ext>
     </p:extLst>
   </p:cSld>
@@ -1120,7 +1118,7 @@
           <a:p>
             <a:fld id="{10629B07-4A54-4F97-9D73-B61E6CD659C2}" type="datetime1">
               <a:rPr lang="en-US" smtClean="0"/>
-              <a:t>3/20/2021</a:t>
+              <a:t>6/29/2021</a:t>
             </a:fld>
             <a:endParaRPr lang="en-US"/>
           </a:p>
@@ -1171,7 +1169,7 @@
     </p:spTree>
     <p:extLst>
       <p:ext uri="{BB962C8B-B14F-4D97-AF65-F5344CB8AC3E}">
-        <p14:creationId xmlns:p14="http://schemas.microsoft.com/office/powerpoint/2010/main" val="921602072"/>
+        <p14:creationId xmlns:p14="http://schemas.microsoft.com/office/powerpoint/2010/main" val="1240529194"/>
       </p:ext>
     </p:extLst>
   </p:cSld>
@@ -1210,15 +1208,15 @@
         </p:nvSpPr>
         <p:spPr>
           <a:xfrm>
-            <a:off x="2339580" y="12347723"/>
-            <a:ext cx="29575125" cy="20602440"/>
+            <a:off x="655082" y="3191514"/>
+            <a:ext cx="8281035" cy="5325109"/>
           </a:xfrm>
         </p:spPr>
         <p:txBody>
           <a:bodyPr anchor="b"/>
           <a:lstStyle>
             <a:lvl1pPr>
-              <a:defRPr sz="22500"/>
+              <a:defRPr sz="6300"/>
             </a:lvl1pPr>
           </a:lstStyle>
           <a:p>
@@ -1242,8 +1240,8 @@
         </p:nvSpPr>
         <p:spPr>
           <a:xfrm>
-            <a:off x="2339580" y="33145070"/>
-            <a:ext cx="29575125" cy="10834337"/>
+            <a:off x="655082" y="8567000"/>
+            <a:ext cx="8281035" cy="2800349"/>
           </a:xfrm>
         </p:spPr>
         <p:txBody>
@@ -1251,15 +1249,15 @@
           <a:lstStyle>
             <a:lvl1pPr marL="0" indent="0">
               <a:buNone/>
-              <a:defRPr sz="9000">
+              <a:defRPr sz="2520">
                 <a:solidFill>
                   <a:schemeClr val="tx1"/>
                 </a:solidFill>
               </a:defRPr>
             </a:lvl1pPr>
-            <a:lvl2pPr marL="1714500" indent="0">
-              <a:buNone/>
-              <a:defRPr sz="7500">
+            <a:lvl2pPr marL="480060" indent="0">
+              <a:buNone/>
+              <a:defRPr sz="2100">
                 <a:solidFill>
                   <a:schemeClr val="tx1">
                     <a:tint val="75000"/>
@@ -1267,9 +1265,9 @@
                 </a:solidFill>
               </a:defRPr>
             </a:lvl2pPr>
-            <a:lvl3pPr marL="3429000" indent="0">
-              <a:buNone/>
-              <a:defRPr sz="6750">
+            <a:lvl3pPr marL="960120" indent="0">
+              <a:buNone/>
+              <a:defRPr sz="1890">
                 <a:solidFill>
                   <a:schemeClr val="tx1">
                     <a:tint val="75000"/>
@@ -1277,9 +1275,9 @@
                 </a:solidFill>
               </a:defRPr>
             </a:lvl3pPr>
-            <a:lvl4pPr marL="5143500" indent="0">
-              <a:buNone/>
-              <a:defRPr sz="6000">
+            <a:lvl4pPr marL="1440180" indent="0">
+              <a:buNone/>
+              <a:defRPr sz="1680">
                 <a:solidFill>
                   <a:schemeClr val="tx1">
                     <a:tint val="75000"/>
@@ -1287,9 +1285,9 @@
                 </a:solidFill>
               </a:defRPr>
             </a:lvl4pPr>
-            <a:lvl5pPr marL="6858000" indent="0">
-              <a:buNone/>
-              <a:defRPr sz="6000">
+            <a:lvl5pPr marL="1920240" indent="0">
+              <a:buNone/>
+              <a:defRPr sz="1680">
                 <a:solidFill>
                   <a:schemeClr val="tx1">
                     <a:tint val="75000"/>
@@ -1297,9 +1295,9 @@
                 </a:solidFill>
               </a:defRPr>
             </a:lvl5pPr>
-            <a:lvl6pPr marL="8572500" indent="0">
-              <a:buNone/>
-              <a:defRPr sz="6000">
+            <a:lvl6pPr marL="2400300" indent="0">
+              <a:buNone/>
+              <a:defRPr sz="1680">
                 <a:solidFill>
                   <a:schemeClr val="tx1">
                     <a:tint val="75000"/>
@@ -1307,9 +1305,9 @@
                 </a:solidFill>
               </a:defRPr>
             </a:lvl6pPr>
-            <a:lvl7pPr marL="10287000" indent="0">
-              <a:buNone/>
-              <a:defRPr sz="6000">
+            <a:lvl7pPr marL="2880360" indent="0">
+              <a:buNone/>
+              <a:defRPr sz="1680">
                 <a:solidFill>
                   <a:schemeClr val="tx1">
                     <a:tint val="75000"/>
@@ -1317,9 +1315,9 @@
                 </a:solidFill>
               </a:defRPr>
             </a:lvl7pPr>
-            <a:lvl8pPr marL="12001500" indent="0">
-              <a:buNone/>
-              <a:defRPr sz="6000">
+            <a:lvl8pPr marL="3360420" indent="0">
+              <a:buNone/>
+              <a:defRPr sz="1680">
                 <a:solidFill>
                   <a:schemeClr val="tx1">
                     <a:tint val="75000"/>
@@ -1327,9 +1325,9 @@
                 </a:solidFill>
               </a:defRPr>
             </a:lvl8pPr>
-            <a:lvl9pPr marL="13716000" indent="0">
-              <a:buNone/>
-              <a:defRPr sz="6000">
+            <a:lvl9pPr marL="3840480" indent="0">
+              <a:buNone/>
+              <a:defRPr sz="1680">
                 <a:solidFill>
                   <a:schemeClr val="tx1">
                     <a:tint val="75000"/>
@@ -1364,7 +1362,7 @@
           <a:p>
             <a:fld id="{BD2548C6-DA94-4DC2-AB76-E23849EC7638}" type="datetime1">
               <a:rPr lang="en-US" smtClean="0"/>
-              <a:t>3/20/2021</a:t>
+              <a:t>6/29/2021</a:t>
             </a:fld>
             <a:endParaRPr lang="en-US"/>
           </a:p>
@@ -1415,7 +1413,7 @@
     </p:spTree>
     <p:extLst>
       <p:ext uri="{BB962C8B-B14F-4D97-AF65-F5344CB8AC3E}">
-        <p14:creationId xmlns:p14="http://schemas.microsoft.com/office/powerpoint/2010/main" val="2870574775"/>
+        <p14:creationId xmlns:p14="http://schemas.microsoft.com/office/powerpoint/2010/main" val="1862789590"/>
       </p:ext>
     </p:extLst>
   </p:cSld>
@@ -1477,8 +1475,8 @@
         </p:nvSpPr>
         <p:spPr>
           <a:xfrm>
-            <a:off x="2357438" y="13184647"/>
-            <a:ext cx="14573250" cy="31425323"/>
+            <a:off x="660083" y="3407833"/>
+            <a:ext cx="4080510" cy="8122498"/>
           </a:xfrm>
         </p:spPr>
         <p:txBody>
@@ -1534,8 +1532,8 @@
         </p:nvSpPr>
         <p:spPr>
           <a:xfrm>
-            <a:off x="17359313" y="13184647"/>
-            <a:ext cx="14573250" cy="31425323"/>
+            <a:off x="4860608" y="3407833"/>
+            <a:ext cx="4080510" cy="8122498"/>
           </a:xfrm>
         </p:spPr>
         <p:txBody>
@@ -1596,7 +1594,7 @@
           <a:p>
             <a:fld id="{E245DBF8-91F9-4591-9664-4FEB4584A421}" type="datetime1">
               <a:rPr lang="en-US" smtClean="0"/>
-              <a:t>3/20/2021</a:t>
+              <a:t>6/29/2021</a:t>
             </a:fld>
             <a:endParaRPr lang="en-US"/>
           </a:p>
@@ -1647,7 +1645,7 @@
     </p:spTree>
     <p:extLst>
       <p:ext uri="{BB962C8B-B14F-4D97-AF65-F5344CB8AC3E}">
-        <p14:creationId xmlns:p14="http://schemas.microsoft.com/office/powerpoint/2010/main" val="647466268"/>
+        <p14:creationId xmlns:p14="http://schemas.microsoft.com/office/powerpoint/2010/main" val="1176017832"/>
       </p:ext>
     </p:extLst>
   </p:cSld>
@@ -1686,8 +1684,8 @@
         </p:nvSpPr>
         <p:spPr>
           <a:xfrm>
-            <a:off x="2361904" y="2636940"/>
-            <a:ext cx="29575125" cy="9573204"/>
+            <a:off x="661333" y="681570"/>
+            <a:ext cx="8281035" cy="2474384"/>
           </a:xfrm>
         </p:spPr>
         <p:txBody>
@@ -1714,8 +1712,8 @@
         </p:nvSpPr>
         <p:spPr>
           <a:xfrm>
-            <a:off x="2361908" y="12141344"/>
-            <a:ext cx="14506275" cy="5950285"/>
+            <a:off x="661334" y="3138171"/>
+            <a:ext cx="4061757" cy="1537969"/>
           </a:xfrm>
         </p:spPr>
         <p:txBody>
@@ -1723,39 +1721,39 @@
           <a:lstStyle>
             <a:lvl1pPr marL="0" indent="0">
               <a:buNone/>
-              <a:defRPr sz="9000" b="1"/>
+              <a:defRPr sz="2520" b="1"/>
             </a:lvl1pPr>
-            <a:lvl2pPr marL="1714500" indent="0">
-              <a:buNone/>
-              <a:defRPr sz="7500" b="1"/>
+            <a:lvl2pPr marL="480060" indent="0">
+              <a:buNone/>
+              <a:defRPr sz="2100" b="1"/>
             </a:lvl2pPr>
-            <a:lvl3pPr marL="3429000" indent="0">
-              <a:buNone/>
-              <a:defRPr sz="6750" b="1"/>
+            <a:lvl3pPr marL="960120" indent="0">
+              <a:buNone/>
+              <a:defRPr sz="1890" b="1"/>
             </a:lvl3pPr>
-            <a:lvl4pPr marL="5143500" indent="0">
-              <a:buNone/>
-              <a:defRPr sz="6000" b="1"/>
+            <a:lvl4pPr marL="1440180" indent="0">
+              <a:buNone/>
+              <a:defRPr sz="1680" b="1"/>
             </a:lvl4pPr>
-            <a:lvl5pPr marL="6858000" indent="0">
-              <a:buNone/>
-              <a:defRPr sz="6000" b="1"/>
+            <a:lvl5pPr marL="1920240" indent="0">
+              <a:buNone/>
+              <a:defRPr sz="1680" b="1"/>
             </a:lvl5pPr>
-            <a:lvl6pPr marL="8572500" indent="0">
-              <a:buNone/>
-              <a:defRPr sz="6000" b="1"/>
+            <a:lvl6pPr marL="2400300" indent="0">
+              <a:buNone/>
+              <a:defRPr sz="1680" b="1"/>
             </a:lvl6pPr>
-            <a:lvl7pPr marL="10287000" indent="0">
-              <a:buNone/>
-              <a:defRPr sz="6000" b="1"/>
+            <a:lvl7pPr marL="2880360" indent="0">
+              <a:buNone/>
+              <a:defRPr sz="1680" b="1"/>
             </a:lvl7pPr>
-            <a:lvl8pPr marL="12001500" indent="0">
-              <a:buNone/>
-              <a:defRPr sz="6000" b="1"/>
+            <a:lvl8pPr marL="3360420" indent="0">
+              <a:buNone/>
+              <a:defRPr sz="1680" b="1"/>
             </a:lvl8pPr>
-            <a:lvl9pPr marL="13716000" indent="0">
-              <a:buNone/>
-              <a:defRPr sz="6000" b="1"/>
+            <a:lvl9pPr marL="3840480" indent="0">
+              <a:buNone/>
+              <a:defRPr sz="1680" b="1"/>
             </a:lvl9pPr>
           </a:lstStyle>
           <a:p>
@@ -1779,8 +1777,8 @@
         </p:nvSpPr>
         <p:spPr>
           <a:xfrm>
-            <a:off x="2361908" y="18091628"/>
-            <a:ext cx="14506275" cy="26610061"/>
+            <a:off x="661334" y="4676140"/>
+            <a:ext cx="4061757" cy="6877898"/>
           </a:xfrm>
         </p:spPr>
         <p:txBody>
@@ -1836,8 +1834,8 @@
         </p:nvSpPr>
         <p:spPr>
           <a:xfrm>
-            <a:off x="17359315" y="12141344"/>
-            <a:ext cx="14577716" cy="5950285"/>
+            <a:off x="4860608" y="3138171"/>
+            <a:ext cx="4081761" cy="1537969"/>
           </a:xfrm>
         </p:spPr>
         <p:txBody>
@@ -1845,39 +1843,39 @@
           <a:lstStyle>
             <a:lvl1pPr marL="0" indent="0">
               <a:buNone/>
-              <a:defRPr sz="9000" b="1"/>
+              <a:defRPr sz="2520" b="1"/>
             </a:lvl1pPr>
-            <a:lvl2pPr marL="1714500" indent="0">
-              <a:buNone/>
-              <a:defRPr sz="7500" b="1"/>
+            <a:lvl2pPr marL="480060" indent="0">
+              <a:buNone/>
+              <a:defRPr sz="2100" b="1"/>
             </a:lvl2pPr>
-            <a:lvl3pPr marL="3429000" indent="0">
-              <a:buNone/>
-              <a:defRPr sz="6750" b="1"/>
+            <a:lvl3pPr marL="960120" indent="0">
+              <a:buNone/>
+              <a:defRPr sz="1890" b="1"/>
             </a:lvl3pPr>
-            <a:lvl4pPr marL="5143500" indent="0">
-              <a:buNone/>
-              <a:defRPr sz="6000" b="1"/>
+            <a:lvl4pPr marL="1440180" indent="0">
+              <a:buNone/>
+              <a:defRPr sz="1680" b="1"/>
             </a:lvl4pPr>
-            <a:lvl5pPr marL="6858000" indent="0">
-              <a:buNone/>
-              <a:defRPr sz="6000" b="1"/>
+            <a:lvl5pPr marL="1920240" indent="0">
+              <a:buNone/>
+              <a:defRPr sz="1680" b="1"/>
             </a:lvl5pPr>
-            <a:lvl6pPr marL="8572500" indent="0">
-              <a:buNone/>
-              <a:defRPr sz="6000" b="1"/>
+            <a:lvl6pPr marL="2400300" indent="0">
+              <a:buNone/>
+              <a:defRPr sz="1680" b="1"/>
             </a:lvl6pPr>
-            <a:lvl7pPr marL="10287000" indent="0">
-              <a:buNone/>
-              <a:defRPr sz="6000" b="1"/>
+            <a:lvl7pPr marL="2880360" indent="0">
+              <a:buNone/>
+              <a:defRPr sz="1680" b="1"/>
             </a:lvl7pPr>
-            <a:lvl8pPr marL="12001500" indent="0">
-              <a:buNone/>
-              <a:defRPr sz="6000" b="1"/>
+            <a:lvl8pPr marL="3360420" indent="0">
+              <a:buNone/>
+              <a:defRPr sz="1680" b="1"/>
             </a:lvl8pPr>
-            <a:lvl9pPr marL="13716000" indent="0">
-              <a:buNone/>
-              <a:defRPr sz="6000" b="1"/>
+            <a:lvl9pPr marL="3840480" indent="0">
+              <a:buNone/>
+              <a:defRPr sz="1680" b="1"/>
             </a:lvl9pPr>
           </a:lstStyle>
           <a:p>
@@ -1901,8 +1899,8 @@
         </p:nvSpPr>
         <p:spPr>
           <a:xfrm>
-            <a:off x="17359315" y="18091628"/>
-            <a:ext cx="14577716" cy="26610061"/>
+            <a:off x="4860608" y="4676140"/>
+            <a:ext cx="4081761" cy="6877898"/>
           </a:xfrm>
         </p:spPr>
         <p:txBody>
@@ -1963,7 +1961,7 @@
           <a:p>
             <a:fld id="{4CA0C4DF-7341-43CC-933C-91A885CD8FD6}" type="datetime1">
               <a:rPr lang="en-US" smtClean="0"/>
-              <a:t>3/20/2021</a:t>
+              <a:t>6/29/2021</a:t>
             </a:fld>
             <a:endParaRPr lang="en-US"/>
           </a:p>
@@ -2014,7 +2012,7 @@
     </p:spTree>
     <p:extLst>
       <p:ext uri="{BB962C8B-B14F-4D97-AF65-F5344CB8AC3E}">
-        <p14:creationId xmlns:p14="http://schemas.microsoft.com/office/powerpoint/2010/main" val="1761791382"/>
+        <p14:creationId xmlns:p14="http://schemas.microsoft.com/office/powerpoint/2010/main" val="1605485790"/>
       </p:ext>
     </p:extLst>
   </p:cSld>
@@ -2081,7 +2079,7 @@
           <a:p>
             <a:fld id="{2F19B90A-B2F6-4947-B57E-4A64701B21C0}" type="datetime1">
               <a:rPr lang="en-US" smtClean="0"/>
-              <a:t>3/20/2021</a:t>
+              <a:t>6/29/2021</a:t>
             </a:fld>
             <a:endParaRPr lang="en-US"/>
           </a:p>
@@ -2132,7 +2130,7 @@
     </p:spTree>
     <p:extLst>
       <p:ext uri="{BB962C8B-B14F-4D97-AF65-F5344CB8AC3E}">
-        <p14:creationId xmlns:p14="http://schemas.microsoft.com/office/powerpoint/2010/main" val="2094091350"/>
+        <p14:creationId xmlns:p14="http://schemas.microsoft.com/office/powerpoint/2010/main" val="3891988956"/>
       </p:ext>
     </p:extLst>
   </p:cSld>
@@ -2176,7 +2174,7 @@
           <a:p>
             <a:fld id="{9CB2D19C-9CF8-4B82-9C34-B357BD6CC30B}" type="datetime1">
               <a:rPr lang="en-US" smtClean="0"/>
-              <a:t>3/20/2021</a:t>
+              <a:t>6/29/2021</a:t>
             </a:fld>
             <a:endParaRPr lang="en-US"/>
           </a:p>
@@ -2227,7 +2225,7 @@
     </p:spTree>
     <p:extLst>
       <p:ext uri="{BB962C8B-B14F-4D97-AF65-F5344CB8AC3E}">
-        <p14:creationId xmlns:p14="http://schemas.microsoft.com/office/powerpoint/2010/main" val="1952031331"/>
+        <p14:creationId xmlns:p14="http://schemas.microsoft.com/office/powerpoint/2010/main" val="1635317319"/>
       </p:ext>
     </p:extLst>
   </p:cSld>
@@ -2266,15 +2264,15 @@
         </p:nvSpPr>
         <p:spPr>
           <a:xfrm>
-            <a:off x="2361904" y="3301894"/>
-            <a:ext cx="11059418" cy="11556630"/>
+            <a:off x="661333" y="853440"/>
+            <a:ext cx="3096637" cy="2987040"/>
           </a:xfrm>
         </p:spPr>
         <p:txBody>
           <a:bodyPr anchor="b"/>
           <a:lstStyle>
             <a:lvl1pPr>
-              <a:defRPr sz="12000"/>
+              <a:defRPr sz="3360"/>
             </a:lvl1pPr>
           </a:lstStyle>
           <a:p>
@@ -2298,39 +2296,39 @@
         </p:nvSpPr>
         <p:spPr>
           <a:xfrm>
-            <a:off x="14577716" y="7131185"/>
-            <a:ext cx="17359313" cy="35197275"/>
+            <a:off x="4081760" y="1843196"/>
+            <a:ext cx="4860608" cy="9097433"/>
           </a:xfrm>
         </p:spPr>
         <p:txBody>
           <a:bodyPr/>
           <a:lstStyle>
             <a:lvl1pPr>
-              <a:defRPr sz="12000"/>
+              <a:defRPr sz="3360"/>
             </a:lvl1pPr>
             <a:lvl2pPr>
-              <a:defRPr sz="10500"/>
+              <a:defRPr sz="2940"/>
             </a:lvl2pPr>
             <a:lvl3pPr>
-              <a:defRPr sz="9000"/>
+              <a:defRPr sz="2520"/>
             </a:lvl3pPr>
             <a:lvl4pPr>
-              <a:defRPr sz="7500"/>
+              <a:defRPr sz="2100"/>
             </a:lvl4pPr>
             <a:lvl5pPr>
-              <a:defRPr sz="7500"/>
+              <a:defRPr sz="2100"/>
             </a:lvl5pPr>
             <a:lvl6pPr>
-              <a:defRPr sz="7500"/>
+              <a:defRPr sz="2100"/>
             </a:lvl6pPr>
             <a:lvl7pPr>
-              <a:defRPr sz="7500"/>
+              <a:defRPr sz="2100"/>
             </a:lvl7pPr>
             <a:lvl8pPr>
-              <a:defRPr sz="7500"/>
+              <a:defRPr sz="2100"/>
             </a:lvl8pPr>
             <a:lvl9pPr>
-              <a:defRPr sz="7500"/>
+              <a:defRPr sz="2100"/>
             </a:lvl9pPr>
           </a:lstStyle>
           <a:p>
@@ -2383,8 +2381,8 @@
         </p:nvSpPr>
         <p:spPr>
           <a:xfrm>
-            <a:off x="2361904" y="14858524"/>
-            <a:ext cx="11059418" cy="27527254"/>
+            <a:off x="661333" y="3840480"/>
+            <a:ext cx="3096637" cy="7114964"/>
           </a:xfrm>
         </p:spPr>
         <p:txBody>
@@ -2392,39 +2390,39 @@
           <a:lstStyle>
             <a:lvl1pPr marL="0" indent="0">
               <a:buNone/>
-              <a:defRPr sz="6000"/>
+              <a:defRPr sz="1680"/>
             </a:lvl1pPr>
-            <a:lvl2pPr marL="1714500" indent="0">
-              <a:buNone/>
-              <a:defRPr sz="5250"/>
+            <a:lvl2pPr marL="480060" indent="0">
+              <a:buNone/>
+              <a:defRPr sz="1470"/>
             </a:lvl2pPr>
-            <a:lvl3pPr marL="3429000" indent="0">
-              <a:buNone/>
-              <a:defRPr sz="4500"/>
+            <a:lvl3pPr marL="960120" indent="0">
+              <a:buNone/>
+              <a:defRPr sz="1260"/>
             </a:lvl3pPr>
-            <a:lvl4pPr marL="5143500" indent="0">
-              <a:buNone/>
-              <a:defRPr sz="3750"/>
+            <a:lvl4pPr marL="1440180" indent="0">
+              <a:buNone/>
+              <a:defRPr sz="1050"/>
             </a:lvl4pPr>
-            <a:lvl5pPr marL="6858000" indent="0">
-              <a:buNone/>
-              <a:defRPr sz="3750"/>
+            <a:lvl5pPr marL="1920240" indent="0">
+              <a:buNone/>
+              <a:defRPr sz="1050"/>
             </a:lvl5pPr>
-            <a:lvl6pPr marL="8572500" indent="0">
-              <a:buNone/>
-              <a:defRPr sz="3750"/>
+            <a:lvl6pPr marL="2400300" indent="0">
+              <a:buNone/>
+              <a:defRPr sz="1050"/>
             </a:lvl6pPr>
-            <a:lvl7pPr marL="10287000" indent="0">
-              <a:buNone/>
-              <a:defRPr sz="3750"/>
+            <a:lvl7pPr marL="2880360" indent="0">
+              <a:buNone/>
+              <a:defRPr sz="1050"/>
             </a:lvl7pPr>
-            <a:lvl8pPr marL="12001500" indent="0">
-              <a:buNone/>
-              <a:defRPr sz="3750"/>
+            <a:lvl8pPr marL="3360420" indent="0">
+              <a:buNone/>
+              <a:defRPr sz="1050"/>
             </a:lvl8pPr>
-            <a:lvl9pPr marL="13716000" indent="0">
-              <a:buNone/>
-              <a:defRPr sz="3750"/>
+            <a:lvl9pPr marL="3840480" indent="0">
+              <a:buNone/>
+              <a:defRPr sz="1050"/>
             </a:lvl9pPr>
           </a:lstStyle>
           <a:p>
@@ -2453,7 +2451,7 @@
           <a:p>
             <a:fld id="{F2AE562D-0DF0-4D21-A831-9BD708ECD352}" type="datetime1">
               <a:rPr lang="en-US" smtClean="0"/>
-              <a:t>3/20/2021</a:t>
+              <a:t>6/29/2021</a:t>
             </a:fld>
             <a:endParaRPr lang="en-US"/>
           </a:p>
@@ -2504,7 +2502,7 @@
     </p:spTree>
     <p:extLst>
       <p:ext uri="{BB962C8B-B14F-4D97-AF65-F5344CB8AC3E}">
-        <p14:creationId xmlns:p14="http://schemas.microsoft.com/office/powerpoint/2010/main" val="2042592877"/>
+        <p14:creationId xmlns:p14="http://schemas.microsoft.com/office/powerpoint/2010/main" val="3727135968"/>
       </p:ext>
     </p:extLst>
   </p:cSld>
@@ -2543,15 +2541,15 @@
         </p:nvSpPr>
         <p:spPr>
           <a:xfrm>
-            <a:off x="2361904" y="3301894"/>
-            <a:ext cx="11059418" cy="11556630"/>
+            <a:off x="661333" y="853440"/>
+            <a:ext cx="3096637" cy="2987040"/>
           </a:xfrm>
         </p:spPr>
         <p:txBody>
           <a:bodyPr anchor="b"/>
           <a:lstStyle>
             <a:lvl1pPr>
-              <a:defRPr sz="12000"/>
+              <a:defRPr sz="3360"/>
             </a:lvl1pPr>
           </a:lstStyle>
           <a:p>
@@ -2575,8 +2573,8 @@
         </p:nvSpPr>
         <p:spPr>
           <a:xfrm>
-            <a:off x="14577716" y="7131185"/>
-            <a:ext cx="17359313" cy="35197275"/>
+            <a:off x="4081760" y="1843196"/>
+            <a:ext cx="4860608" cy="9097433"/>
           </a:xfrm>
         </p:spPr>
         <p:txBody>
@@ -2584,39 +2582,39 @@
           <a:lstStyle>
             <a:lvl1pPr marL="0" indent="0">
               <a:buNone/>
-              <a:defRPr sz="12000"/>
+              <a:defRPr sz="3360"/>
             </a:lvl1pPr>
-            <a:lvl2pPr marL="1714500" indent="0">
-              <a:buNone/>
-              <a:defRPr sz="10500"/>
+            <a:lvl2pPr marL="480060" indent="0">
+              <a:buNone/>
+              <a:defRPr sz="2940"/>
             </a:lvl2pPr>
-            <a:lvl3pPr marL="3429000" indent="0">
-              <a:buNone/>
-              <a:defRPr sz="9000"/>
+            <a:lvl3pPr marL="960120" indent="0">
+              <a:buNone/>
+              <a:defRPr sz="2520"/>
             </a:lvl3pPr>
-            <a:lvl4pPr marL="5143500" indent="0">
-              <a:buNone/>
-              <a:defRPr sz="7500"/>
+            <a:lvl4pPr marL="1440180" indent="0">
+              <a:buNone/>
+              <a:defRPr sz="2100"/>
             </a:lvl4pPr>
-            <a:lvl5pPr marL="6858000" indent="0">
-              <a:buNone/>
-              <a:defRPr sz="7500"/>
+            <a:lvl5pPr marL="1920240" indent="0">
+              <a:buNone/>
+              <a:defRPr sz="2100"/>
             </a:lvl5pPr>
-            <a:lvl6pPr marL="8572500" indent="0">
-              <a:buNone/>
-              <a:defRPr sz="7500"/>
+            <a:lvl6pPr marL="2400300" indent="0">
+              <a:buNone/>
+              <a:defRPr sz="2100"/>
             </a:lvl6pPr>
-            <a:lvl7pPr marL="10287000" indent="0">
-              <a:buNone/>
-              <a:defRPr sz="7500"/>
+            <a:lvl7pPr marL="2880360" indent="0">
+              <a:buNone/>
+              <a:defRPr sz="2100"/>
             </a:lvl7pPr>
-            <a:lvl8pPr marL="12001500" indent="0">
-              <a:buNone/>
-              <a:defRPr sz="7500"/>
+            <a:lvl8pPr marL="3360420" indent="0">
+              <a:buNone/>
+              <a:defRPr sz="2100"/>
             </a:lvl8pPr>
-            <a:lvl9pPr marL="13716000" indent="0">
-              <a:buNone/>
-              <a:defRPr sz="7500"/>
+            <a:lvl9pPr marL="3840480" indent="0">
+              <a:buNone/>
+              <a:defRPr sz="2100"/>
             </a:lvl9pPr>
           </a:lstStyle>
           <a:p>
@@ -2640,8 +2638,8 @@
         </p:nvSpPr>
         <p:spPr>
           <a:xfrm>
-            <a:off x="2361904" y="14858524"/>
-            <a:ext cx="11059418" cy="27527254"/>
+            <a:off x="661333" y="3840480"/>
+            <a:ext cx="3096637" cy="7114964"/>
           </a:xfrm>
         </p:spPr>
         <p:txBody>
@@ -2649,39 +2647,39 @@
           <a:lstStyle>
             <a:lvl1pPr marL="0" indent="0">
               <a:buNone/>
-              <a:defRPr sz="6000"/>
+              <a:defRPr sz="1680"/>
             </a:lvl1pPr>
-            <a:lvl2pPr marL="1714500" indent="0">
-              <a:buNone/>
-              <a:defRPr sz="5250"/>
+            <a:lvl2pPr marL="480060" indent="0">
+              <a:buNone/>
+              <a:defRPr sz="1470"/>
             </a:lvl2pPr>
-            <a:lvl3pPr marL="3429000" indent="0">
-              <a:buNone/>
-              <a:defRPr sz="4500"/>
+            <a:lvl3pPr marL="960120" indent="0">
+              <a:buNone/>
+              <a:defRPr sz="1260"/>
             </a:lvl3pPr>
-            <a:lvl4pPr marL="5143500" indent="0">
-              <a:buNone/>
-              <a:defRPr sz="3750"/>
+            <a:lvl4pPr marL="1440180" indent="0">
+              <a:buNone/>
+              <a:defRPr sz="1050"/>
             </a:lvl4pPr>
-            <a:lvl5pPr marL="6858000" indent="0">
-              <a:buNone/>
-              <a:defRPr sz="3750"/>
+            <a:lvl5pPr marL="1920240" indent="0">
+              <a:buNone/>
+              <a:defRPr sz="1050"/>
             </a:lvl5pPr>
-            <a:lvl6pPr marL="8572500" indent="0">
-              <a:buNone/>
-              <a:defRPr sz="3750"/>
+            <a:lvl6pPr marL="2400300" indent="0">
+              <a:buNone/>
+              <a:defRPr sz="1050"/>
             </a:lvl6pPr>
-            <a:lvl7pPr marL="10287000" indent="0">
-              <a:buNone/>
-              <a:defRPr sz="3750"/>
+            <a:lvl7pPr marL="2880360" indent="0">
+              <a:buNone/>
+              <a:defRPr sz="1050"/>
             </a:lvl7pPr>
-            <a:lvl8pPr marL="12001500" indent="0">
-              <a:buNone/>
-              <a:defRPr sz="3750"/>
+            <a:lvl8pPr marL="3360420" indent="0">
+              <a:buNone/>
+              <a:defRPr sz="1050"/>
             </a:lvl8pPr>
-            <a:lvl9pPr marL="13716000" indent="0">
-              <a:buNone/>
-              <a:defRPr sz="3750"/>
+            <a:lvl9pPr marL="3840480" indent="0">
+              <a:buNone/>
+              <a:defRPr sz="1050"/>
             </a:lvl9pPr>
           </a:lstStyle>
           <a:p>
@@ -2710,7 +2708,7 @@
           <a:p>
             <a:fld id="{F93856F1-8554-4C8F-ADB7-CB956060BFB9}" type="datetime1">
               <a:rPr lang="en-US" smtClean="0"/>
-              <a:t>3/20/2021</a:t>
+              <a:t>6/29/2021</a:t>
             </a:fld>
             <a:endParaRPr lang="en-US"/>
           </a:p>
@@ -2761,7 +2759,7 @@
     </p:spTree>
     <p:extLst>
       <p:ext uri="{BB962C8B-B14F-4D97-AF65-F5344CB8AC3E}">
-        <p14:creationId xmlns:p14="http://schemas.microsoft.com/office/powerpoint/2010/main" val="3156698476"/>
+        <p14:creationId xmlns:p14="http://schemas.microsoft.com/office/powerpoint/2010/main" val="511011396"/>
       </p:ext>
     </p:extLst>
   </p:cSld>
@@ -2805,8 +2803,8 @@
         </p:nvSpPr>
         <p:spPr>
           <a:xfrm>
-            <a:off x="2357438" y="2636940"/>
-            <a:ext cx="29575125" cy="9573204"/>
+            <a:off x="660083" y="681570"/>
+            <a:ext cx="8281035" cy="2474384"/>
           </a:xfrm>
           <a:prstGeom prst="rect">
             <a:avLst/>
@@ -2838,8 +2836,8 @@
         </p:nvSpPr>
         <p:spPr>
           <a:xfrm>
-            <a:off x="2357438" y="13184647"/>
-            <a:ext cx="29575125" cy="31425323"/>
+            <a:off x="660083" y="3407833"/>
+            <a:ext cx="8281035" cy="8122498"/>
           </a:xfrm>
           <a:prstGeom prst="rect">
             <a:avLst/>
@@ -2900,8 +2898,8 @@
         </p:nvSpPr>
         <p:spPr>
           <a:xfrm>
-            <a:off x="2357438" y="45905512"/>
-            <a:ext cx="7715250" cy="2636929"/>
+            <a:off x="660083" y="11865189"/>
+            <a:ext cx="2160270" cy="681567"/>
           </a:xfrm>
           <a:prstGeom prst="rect">
             <a:avLst/>
@@ -2911,7 +2909,7 @@
           <a:bodyPr vert="horz" lIns="91440" tIns="45720" rIns="91440" bIns="45720" rtlCol="0" anchor="ctr"/>
           <a:lstStyle>
             <a:lvl1pPr algn="l">
-              <a:defRPr sz="4500">
+              <a:defRPr sz="1260">
                 <a:solidFill>
                   <a:schemeClr val="tx1">
                     <a:tint val="75000"/>
@@ -2923,7 +2921,7 @@
           <a:p>
             <a:fld id="{F3A85176-BBF4-48B8-A12C-306AA3FC06A9}" type="datetime1">
               <a:rPr lang="en-US" smtClean="0"/>
-              <a:t>3/20/2021</a:t>
+              <a:t>6/29/2021</a:t>
             </a:fld>
             <a:endParaRPr lang="en-US"/>
           </a:p>
@@ -2941,8 +2939,8 @@
         </p:nvSpPr>
         <p:spPr>
           <a:xfrm>
-            <a:off x="11358563" y="45905512"/>
-            <a:ext cx="11572875" cy="2636929"/>
+            <a:off x="3180398" y="11865189"/>
+            <a:ext cx="3240405" cy="681567"/>
           </a:xfrm>
           <a:prstGeom prst="rect">
             <a:avLst/>
@@ -2952,7 +2950,7 @@
           <a:bodyPr vert="horz" lIns="91440" tIns="45720" rIns="91440" bIns="45720" rtlCol="0" anchor="ctr"/>
           <a:lstStyle>
             <a:lvl1pPr algn="ctr">
-              <a:defRPr sz="4500">
+              <a:defRPr sz="1260">
                 <a:solidFill>
                   <a:schemeClr val="tx1">
                     <a:tint val="75000"/>
@@ -2978,8 +2976,8 @@
         </p:nvSpPr>
         <p:spPr>
           <a:xfrm>
-            <a:off x="24217313" y="45905512"/>
-            <a:ext cx="7715250" cy="2636929"/>
+            <a:off x="6780848" y="11865189"/>
+            <a:ext cx="2160270" cy="681567"/>
           </a:xfrm>
           <a:prstGeom prst="rect">
             <a:avLst/>
@@ -2989,7 +2987,7 @@
           <a:bodyPr vert="horz" lIns="91440" tIns="45720" rIns="91440" bIns="45720" rtlCol="0" anchor="ctr"/>
           <a:lstStyle>
             <a:lvl1pPr algn="r">
-              <a:defRPr sz="4500">
+              <a:defRPr sz="1260">
                 <a:solidFill>
                   <a:schemeClr val="tx1">
                     <a:tint val="75000"/>
@@ -3010,28 +3008,28 @@
     </p:spTree>
     <p:extLst>
       <p:ext uri="{BB962C8B-B14F-4D97-AF65-F5344CB8AC3E}">
-        <p14:creationId xmlns:p14="http://schemas.microsoft.com/office/powerpoint/2010/main" val="1939436148"/>
+        <p14:creationId xmlns:p14="http://schemas.microsoft.com/office/powerpoint/2010/main" val="3188927214"/>
       </p:ext>
     </p:extLst>
   </p:cSld>
   <p:clrMap bg1="lt1" tx1="dk1" bg2="lt2" tx2="dk2" accent1="accent1" accent2="accent2" accent3="accent3" accent4="accent4" accent5="accent5" accent6="accent6" hlink="hlink" folHlink="folHlink"/>
   <p:sldLayoutIdLst>
-    <p:sldLayoutId id="2147483673" r:id="rId1"/>
-    <p:sldLayoutId id="2147483674" r:id="rId2"/>
-    <p:sldLayoutId id="2147483675" r:id="rId3"/>
-    <p:sldLayoutId id="2147483676" r:id="rId4"/>
-    <p:sldLayoutId id="2147483677" r:id="rId5"/>
-    <p:sldLayoutId id="2147483678" r:id="rId6"/>
-    <p:sldLayoutId id="2147483679" r:id="rId7"/>
-    <p:sldLayoutId id="2147483680" r:id="rId8"/>
-    <p:sldLayoutId id="2147483681" r:id="rId9"/>
-    <p:sldLayoutId id="2147483682" r:id="rId10"/>
-    <p:sldLayoutId id="2147483683" r:id="rId11"/>
+    <p:sldLayoutId id="2147483685" r:id="rId1"/>
+    <p:sldLayoutId id="2147483686" r:id="rId2"/>
+    <p:sldLayoutId id="2147483687" r:id="rId3"/>
+    <p:sldLayoutId id="2147483688" r:id="rId4"/>
+    <p:sldLayoutId id="2147483689" r:id="rId5"/>
+    <p:sldLayoutId id="2147483690" r:id="rId6"/>
+    <p:sldLayoutId id="2147483691" r:id="rId7"/>
+    <p:sldLayoutId id="2147483692" r:id="rId8"/>
+    <p:sldLayoutId id="2147483693" r:id="rId9"/>
+    <p:sldLayoutId id="2147483694" r:id="rId10"/>
+    <p:sldLayoutId id="2147483695" r:id="rId11"/>
   </p:sldLayoutIdLst>
   <p:hf hdr="0" ftr="0" dt="0"/>
   <p:txStyles>
     <p:titleStyle>
-      <a:lvl1pPr algn="l" defTabSz="3429000" rtl="0" eaLnBrk="1" latinLnBrk="0" hangingPunct="1">
+      <a:lvl1pPr algn="l" defTabSz="960120" rtl="0" eaLnBrk="1" latinLnBrk="0" hangingPunct="1">
         <a:lnSpc>
           <a:spcPct val="90000"/>
         </a:lnSpc>
@@ -3039,7 +3037,7 @@
           <a:spcPct val="0"/>
         </a:spcBef>
         <a:buNone/>
-        <a:defRPr sz="16500" kern="1200">
+        <a:defRPr sz="4620" kern="1200">
           <a:solidFill>
             <a:schemeClr val="tx1"/>
           </a:solidFill>
@@ -3050,16 +3048,16 @@
       </a:lvl1pPr>
     </p:titleStyle>
     <p:bodyStyle>
-      <a:lvl1pPr marL="857250" indent="-857250" algn="l" defTabSz="3429000" rtl="0" eaLnBrk="1" latinLnBrk="0" hangingPunct="1">
+      <a:lvl1pPr marL="240030" indent="-240030" algn="l" defTabSz="960120" rtl="0" eaLnBrk="1" latinLnBrk="0" hangingPunct="1">
         <a:lnSpc>
           <a:spcPct val="90000"/>
         </a:lnSpc>
         <a:spcBef>
-          <a:spcPts val="3750"/>
+          <a:spcPts val="1050"/>
         </a:spcBef>
         <a:buFont typeface="Arial" panose="020B0604020202020204" pitchFamily="34" charset="0"/>
         <a:buChar char="•"/>
-        <a:defRPr sz="10500" kern="1200">
+        <a:defRPr sz="2940" kern="1200">
           <a:solidFill>
             <a:schemeClr val="tx1"/>
           </a:solidFill>
@@ -3068,16 +3066,16 @@
           <a:cs typeface="+mn-cs"/>
         </a:defRPr>
       </a:lvl1pPr>
-      <a:lvl2pPr marL="2571750" indent="-857250" algn="l" defTabSz="3429000" rtl="0" eaLnBrk="1" latinLnBrk="0" hangingPunct="1">
+      <a:lvl2pPr marL="720090" indent="-240030" algn="l" defTabSz="960120" rtl="0" eaLnBrk="1" latinLnBrk="0" hangingPunct="1">
         <a:lnSpc>
           <a:spcPct val="90000"/>
         </a:lnSpc>
         <a:spcBef>
-          <a:spcPts val="1875"/>
+          <a:spcPts val="525"/>
         </a:spcBef>
         <a:buFont typeface="Arial" panose="020B0604020202020204" pitchFamily="34" charset="0"/>
         <a:buChar char="•"/>
-        <a:defRPr sz="9000" kern="1200">
+        <a:defRPr sz="2520" kern="1200">
           <a:solidFill>
             <a:schemeClr val="tx1"/>
           </a:solidFill>
@@ -3086,16 +3084,16 @@
           <a:cs typeface="+mn-cs"/>
         </a:defRPr>
       </a:lvl2pPr>
-      <a:lvl3pPr marL="4286250" indent="-857250" algn="l" defTabSz="3429000" rtl="0" eaLnBrk="1" latinLnBrk="0" hangingPunct="1">
+      <a:lvl3pPr marL="1200150" indent="-240030" algn="l" defTabSz="960120" rtl="0" eaLnBrk="1" latinLnBrk="0" hangingPunct="1">
         <a:lnSpc>
           <a:spcPct val="90000"/>
         </a:lnSpc>
         <a:spcBef>
-          <a:spcPts val="1875"/>
+          <a:spcPts val="525"/>
         </a:spcBef>
         <a:buFont typeface="Arial" panose="020B0604020202020204" pitchFamily="34" charset="0"/>
         <a:buChar char="•"/>
-        <a:defRPr sz="7500" kern="1200">
+        <a:defRPr sz="2100" kern="1200">
           <a:solidFill>
             <a:schemeClr val="tx1"/>
           </a:solidFill>
@@ -3104,16 +3102,16 @@
           <a:cs typeface="+mn-cs"/>
         </a:defRPr>
       </a:lvl3pPr>
-      <a:lvl4pPr marL="6000750" indent="-857250" algn="l" defTabSz="3429000" rtl="0" eaLnBrk="1" latinLnBrk="0" hangingPunct="1">
+      <a:lvl4pPr marL="1680210" indent="-240030" algn="l" defTabSz="960120" rtl="0" eaLnBrk="1" latinLnBrk="0" hangingPunct="1">
         <a:lnSpc>
           <a:spcPct val="90000"/>
         </a:lnSpc>
         <a:spcBef>
-          <a:spcPts val="1875"/>
+          <a:spcPts val="525"/>
         </a:spcBef>
         <a:buFont typeface="Arial" panose="020B0604020202020204" pitchFamily="34" charset="0"/>
         <a:buChar char="•"/>
-        <a:defRPr sz="6750" kern="1200">
+        <a:defRPr sz="1890" kern="1200">
           <a:solidFill>
             <a:schemeClr val="tx1"/>
           </a:solidFill>
@@ -3122,16 +3120,16 @@
           <a:cs typeface="+mn-cs"/>
         </a:defRPr>
       </a:lvl4pPr>
-      <a:lvl5pPr marL="7715250" indent="-857250" algn="l" defTabSz="3429000" rtl="0" eaLnBrk="1" latinLnBrk="0" hangingPunct="1">
+      <a:lvl5pPr marL="2160270" indent="-240030" algn="l" defTabSz="960120" rtl="0" eaLnBrk="1" latinLnBrk="0" hangingPunct="1">
         <a:lnSpc>
           <a:spcPct val="90000"/>
         </a:lnSpc>
         <a:spcBef>
-          <a:spcPts val="1875"/>
+          <a:spcPts val="525"/>
         </a:spcBef>
         <a:buFont typeface="Arial" panose="020B0604020202020204" pitchFamily="34" charset="0"/>
         <a:buChar char="•"/>
-        <a:defRPr sz="6750" kern="1200">
+        <a:defRPr sz="1890" kern="1200">
           <a:solidFill>
             <a:schemeClr val="tx1"/>
           </a:solidFill>
@@ -3140,16 +3138,16 @@
           <a:cs typeface="+mn-cs"/>
         </a:defRPr>
       </a:lvl5pPr>
-      <a:lvl6pPr marL="9429750" indent="-857250" algn="l" defTabSz="3429000" rtl="0" eaLnBrk="1" latinLnBrk="0" hangingPunct="1">
+      <a:lvl6pPr marL="2640330" indent="-240030" algn="l" defTabSz="960120" rtl="0" eaLnBrk="1" latinLnBrk="0" hangingPunct="1">
         <a:lnSpc>
           <a:spcPct val="90000"/>
         </a:lnSpc>
         <a:spcBef>
-          <a:spcPts val="1875"/>
+          <a:spcPts val="525"/>
         </a:spcBef>
         <a:buFont typeface="Arial" panose="020B0604020202020204" pitchFamily="34" charset="0"/>
         <a:buChar char="•"/>
-        <a:defRPr sz="6750" kern="1200">
+        <a:defRPr sz="1890" kern="1200">
           <a:solidFill>
             <a:schemeClr val="tx1"/>
           </a:solidFill>
@@ -3158,16 +3156,16 @@
           <a:cs typeface="+mn-cs"/>
         </a:defRPr>
       </a:lvl6pPr>
-      <a:lvl7pPr marL="11144250" indent="-857250" algn="l" defTabSz="3429000" rtl="0" eaLnBrk="1" latinLnBrk="0" hangingPunct="1">
+      <a:lvl7pPr marL="3120390" indent="-240030" algn="l" defTabSz="960120" rtl="0" eaLnBrk="1" latinLnBrk="0" hangingPunct="1">
         <a:lnSpc>
           <a:spcPct val="90000"/>
         </a:lnSpc>
         <a:spcBef>
-          <a:spcPts val="1875"/>
+          <a:spcPts val="525"/>
         </a:spcBef>
         <a:buFont typeface="Arial" panose="020B0604020202020204" pitchFamily="34" charset="0"/>
         <a:buChar char="•"/>
-        <a:defRPr sz="6750" kern="1200">
+        <a:defRPr sz="1890" kern="1200">
           <a:solidFill>
             <a:schemeClr val="tx1"/>
           </a:solidFill>
@@ -3176,16 +3174,16 @@
           <a:cs typeface="+mn-cs"/>
         </a:defRPr>
       </a:lvl7pPr>
-      <a:lvl8pPr marL="12858750" indent="-857250" algn="l" defTabSz="3429000" rtl="0" eaLnBrk="1" latinLnBrk="0" hangingPunct="1">
+      <a:lvl8pPr marL="3600450" indent="-240030" algn="l" defTabSz="960120" rtl="0" eaLnBrk="1" latinLnBrk="0" hangingPunct="1">
         <a:lnSpc>
           <a:spcPct val="90000"/>
         </a:lnSpc>
         <a:spcBef>
-          <a:spcPts val="1875"/>
+          <a:spcPts val="525"/>
         </a:spcBef>
         <a:buFont typeface="Arial" panose="020B0604020202020204" pitchFamily="34" charset="0"/>
         <a:buChar char="•"/>
-        <a:defRPr sz="6750" kern="1200">
+        <a:defRPr sz="1890" kern="1200">
           <a:solidFill>
             <a:schemeClr val="tx1"/>
           </a:solidFill>
@@ -3194,16 +3192,16 @@
           <a:cs typeface="+mn-cs"/>
         </a:defRPr>
       </a:lvl8pPr>
-      <a:lvl9pPr marL="14573250" indent="-857250" algn="l" defTabSz="3429000" rtl="0" eaLnBrk="1" latinLnBrk="0" hangingPunct="1">
+      <a:lvl9pPr marL="4080510" indent="-240030" algn="l" defTabSz="960120" rtl="0" eaLnBrk="1" latinLnBrk="0" hangingPunct="1">
         <a:lnSpc>
           <a:spcPct val="90000"/>
         </a:lnSpc>
         <a:spcBef>
-          <a:spcPts val="1875"/>
+          <a:spcPts val="525"/>
         </a:spcBef>
         <a:buFont typeface="Arial" panose="020B0604020202020204" pitchFamily="34" charset="0"/>
         <a:buChar char="•"/>
-        <a:defRPr sz="6750" kern="1200">
+        <a:defRPr sz="1890" kern="1200">
           <a:solidFill>
             <a:schemeClr val="tx1"/>
           </a:solidFill>
@@ -3217,8 +3215,8 @@
       <a:defPPr>
         <a:defRPr lang="en-US"/>
       </a:defPPr>
-      <a:lvl1pPr marL="0" algn="l" defTabSz="3429000" rtl="0" eaLnBrk="1" latinLnBrk="0" hangingPunct="1">
-        <a:defRPr sz="6750" kern="1200">
+      <a:lvl1pPr marL="0" algn="l" defTabSz="960120" rtl="0" eaLnBrk="1" latinLnBrk="0" hangingPunct="1">
+        <a:defRPr sz="1890" kern="1200">
           <a:solidFill>
             <a:schemeClr val="tx1"/>
           </a:solidFill>
@@ -3227,8 +3225,8 @@
           <a:cs typeface="+mn-cs"/>
         </a:defRPr>
       </a:lvl1pPr>
-      <a:lvl2pPr marL="1714500" algn="l" defTabSz="3429000" rtl="0" eaLnBrk="1" latinLnBrk="0" hangingPunct="1">
-        <a:defRPr sz="6750" kern="1200">
+      <a:lvl2pPr marL="480060" algn="l" defTabSz="960120" rtl="0" eaLnBrk="1" latinLnBrk="0" hangingPunct="1">
+        <a:defRPr sz="1890" kern="1200">
           <a:solidFill>
             <a:schemeClr val="tx1"/>
           </a:solidFill>
@@ -3237,8 +3235,8 @@
           <a:cs typeface="+mn-cs"/>
         </a:defRPr>
       </a:lvl2pPr>
-      <a:lvl3pPr marL="3429000" algn="l" defTabSz="3429000" rtl="0" eaLnBrk="1" latinLnBrk="0" hangingPunct="1">
-        <a:defRPr sz="6750" kern="1200">
+      <a:lvl3pPr marL="960120" algn="l" defTabSz="960120" rtl="0" eaLnBrk="1" latinLnBrk="0" hangingPunct="1">
+        <a:defRPr sz="1890" kern="1200">
           <a:solidFill>
             <a:schemeClr val="tx1"/>
           </a:solidFill>
@@ -3247,8 +3245,8 @@
           <a:cs typeface="+mn-cs"/>
         </a:defRPr>
       </a:lvl3pPr>
-      <a:lvl4pPr marL="5143500" algn="l" defTabSz="3429000" rtl="0" eaLnBrk="1" latinLnBrk="0" hangingPunct="1">
-        <a:defRPr sz="6750" kern="1200">
+      <a:lvl4pPr marL="1440180" algn="l" defTabSz="960120" rtl="0" eaLnBrk="1" latinLnBrk="0" hangingPunct="1">
+        <a:defRPr sz="1890" kern="1200">
           <a:solidFill>
             <a:schemeClr val="tx1"/>
           </a:solidFill>
@@ -3257,8 +3255,8 @@
           <a:cs typeface="+mn-cs"/>
         </a:defRPr>
       </a:lvl4pPr>
-      <a:lvl5pPr marL="6858000" algn="l" defTabSz="3429000" rtl="0" eaLnBrk="1" latinLnBrk="0" hangingPunct="1">
-        <a:defRPr sz="6750" kern="1200">
+      <a:lvl5pPr marL="1920240" algn="l" defTabSz="960120" rtl="0" eaLnBrk="1" latinLnBrk="0" hangingPunct="1">
+        <a:defRPr sz="1890" kern="1200">
           <a:solidFill>
             <a:schemeClr val="tx1"/>
           </a:solidFill>
@@ -3267,8 +3265,8 @@
           <a:cs typeface="+mn-cs"/>
         </a:defRPr>
       </a:lvl5pPr>
-      <a:lvl6pPr marL="8572500" algn="l" defTabSz="3429000" rtl="0" eaLnBrk="1" latinLnBrk="0" hangingPunct="1">
-        <a:defRPr sz="6750" kern="1200">
+      <a:lvl6pPr marL="2400300" algn="l" defTabSz="960120" rtl="0" eaLnBrk="1" latinLnBrk="0" hangingPunct="1">
+        <a:defRPr sz="1890" kern="1200">
           <a:solidFill>
             <a:schemeClr val="tx1"/>
           </a:solidFill>
@@ -3277,8 +3275,8 @@
           <a:cs typeface="+mn-cs"/>
         </a:defRPr>
       </a:lvl6pPr>
-      <a:lvl7pPr marL="10287000" algn="l" defTabSz="3429000" rtl="0" eaLnBrk="1" latinLnBrk="0" hangingPunct="1">
-        <a:defRPr sz="6750" kern="1200">
+      <a:lvl7pPr marL="2880360" algn="l" defTabSz="960120" rtl="0" eaLnBrk="1" latinLnBrk="0" hangingPunct="1">
+        <a:defRPr sz="1890" kern="1200">
           <a:solidFill>
             <a:schemeClr val="tx1"/>
           </a:solidFill>
@@ -3287,8 +3285,8 @@
           <a:cs typeface="+mn-cs"/>
         </a:defRPr>
       </a:lvl7pPr>
-      <a:lvl8pPr marL="12001500" algn="l" defTabSz="3429000" rtl="0" eaLnBrk="1" latinLnBrk="0" hangingPunct="1">
-        <a:defRPr sz="6750" kern="1200">
+      <a:lvl8pPr marL="3360420" algn="l" defTabSz="960120" rtl="0" eaLnBrk="1" latinLnBrk="0" hangingPunct="1">
+        <a:defRPr sz="1890" kern="1200">
           <a:solidFill>
             <a:schemeClr val="tx1"/>
           </a:solidFill>
@@ -3297,8 +3295,8 @@
           <a:cs typeface="+mn-cs"/>
         </a:defRPr>
       </a:lvl8pPr>
-      <a:lvl9pPr marL="13716000" algn="l" defTabSz="3429000" rtl="0" eaLnBrk="1" latinLnBrk="0" hangingPunct="1">
-        <a:defRPr sz="6750" kern="1200">
+      <a:lvl9pPr marL="3840480" algn="l" defTabSz="960120" rtl="0" eaLnBrk="1" latinLnBrk="0" hangingPunct="1">
+        <a:defRPr sz="1890" kern="1200">
           <a:solidFill>
             <a:schemeClr val="tx1"/>
           </a:solidFill>
@@ -3347,8 +3345,8 @@
         </p:nvSpPr>
         <p:spPr>
           <a:xfrm>
-            <a:off x="30708600" y="46024801"/>
-            <a:ext cx="3581400" cy="3503612"/>
+            <a:off x="8675516" y="11896022"/>
+            <a:ext cx="925684" cy="905578"/>
           </a:xfrm>
         </p:spPr>
         <p:txBody>
@@ -3357,7 +3355,7 @@
           <a:p>
             <a:pPr algn="ctr"/>
             <a:fld id="{11D0A773-BF7F-4CBF-B7E7-0432432A8E8B}" type="slidenum">
-              <a:rPr lang="en-US" sz="5900" smtClean="0">
+              <a:rPr lang="en-US" sz="1525">
                 <a:solidFill>
                   <a:schemeClr val="tx1"/>
                 </a:solidFill>
@@ -3367,12 +3365,55 @@
               <a:pPr algn="ctr"/>
               <a:t>1</a:t>
             </a:fld>
-            <a:endParaRPr lang="en-US" sz="5900" dirty="0">
+            <a:endParaRPr lang="en-US" sz="1525" dirty="0">
               <a:solidFill>
                 <a:schemeClr val="tx1"/>
               </a:solidFill>
               <a:latin typeface="Ubuntu Mono" panose="020B0509030602030204" pitchFamily="49" charset="0"/>
               <a:cs typeface="Times New Roman" panose="02020603050405020304" pitchFamily="18" charset="0"/>
+            </a:endParaRPr>
+          </a:p>
+        </p:txBody>
+      </p:sp>
+      <p:sp>
+        <p:nvSpPr>
+          <p:cNvPr id="2" name="TextBox 1">
+            <a:extLst>
+              <a:ext uri="{FF2B5EF4-FFF2-40B4-BE49-F238E27FC236}">
+                <a16:creationId xmlns:a16="http://schemas.microsoft.com/office/drawing/2014/main" id="{A7427097-9DCA-4127-8F74-AD17D519C7EC}"/>
+              </a:ext>
+            </a:extLst>
+          </p:cNvPr>
+          <p:cNvSpPr txBox="1"/>
+          <p:nvPr/>
+        </p:nvSpPr>
+        <p:spPr>
+          <a:xfrm>
+            <a:off x="1313742" y="-584775"/>
+            <a:ext cx="6973716" cy="584775"/>
+          </a:xfrm>
+          <a:prstGeom prst="rect">
+            <a:avLst/>
+          </a:prstGeom>
+          <a:noFill/>
+        </p:spPr>
+        <p:txBody>
+          <a:bodyPr wrap="square" rtlCol="0">
+            <a:spAutoFit/>
+          </a:bodyPr>
+          <a:lstStyle/>
+          <a:p>
+            <a:pPr algn="ctr"/>
+            <a:r>
+              <a:rPr lang="zh-CN" altLang="en-US" sz="3200" dirty="0">
+                <a:latin typeface="微软雅黑 Light" panose="020B0502040204020203" pitchFamily="34" charset="-122"/>
+                <a:ea typeface="微软雅黑 Light" panose="020B0502040204020203" pitchFamily="34" charset="-122"/>
+              </a:rPr>
+              <a:t>标题</a:t>
+            </a:r>
+            <a:endParaRPr lang="en-US" sz="3200" dirty="0">
+              <a:latin typeface="微软雅黑 Light" panose="020B0502040204020203" pitchFamily="34" charset="-122"/>
+              <a:ea typeface="微软雅黑 Light" panose="020B0502040204020203" pitchFamily="34" charset="-122"/>
             </a:endParaRPr>
           </a:p>
         </p:txBody>
@@ -3425,8 +3466,8 @@
         </p:nvSpPr>
         <p:spPr>
           <a:xfrm>
-            <a:off x="30708600" y="46024801"/>
-            <a:ext cx="3581400" cy="3503612"/>
+            <a:off x="8675516" y="11896022"/>
+            <a:ext cx="925684" cy="905578"/>
           </a:xfrm>
         </p:spPr>
         <p:txBody>
@@ -3435,7 +3476,7 @@
           <a:p>
             <a:pPr algn="ctr"/>
             <a:fld id="{11D0A773-BF7F-4CBF-B7E7-0432432A8E8B}" type="slidenum">
-              <a:rPr lang="en-US" sz="5900" smtClean="0">
+              <a:rPr lang="en-US" sz="1525">
                 <a:solidFill>
                   <a:schemeClr val="tx1"/>
                 </a:solidFill>
@@ -3445,7 +3486,7 @@
               <a:pPr algn="ctr"/>
               <a:t>2</a:t>
             </a:fld>
-            <a:endParaRPr lang="en-US" sz="5900" dirty="0">
+            <a:endParaRPr lang="en-US" sz="1525" dirty="0">
               <a:solidFill>
                 <a:schemeClr val="tx1"/>
               </a:solidFill>
@@ -3503,8 +3544,8 @@
         </p:nvSpPr>
         <p:spPr>
           <a:xfrm>
-            <a:off x="30708600" y="46024801"/>
-            <a:ext cx="3581400" cy="3503612"/>
+            <a:off x="8675516" y="11896022"/>
+            <a:ext cx="925684" cy="905578"/>
           </a:xfrm>
         </p:spPr>
         <p:txBody>
@@ -3513,7 +3554,7 @@
           <a:p>
             <a:pPr algn="ctr"/>
             <a:fld id="{11D0A773-BF7F-4CBF-B7E7-0432432A8E8B}" type="slidenum">
-              <a:rPr lang="en-US" sz="5900" smtClean="0">
+              <a:rPr lang="en-US" sz="1525">
                 <a:solidFill>
                   <a:schemeClr val="tx1"/>
                 </a:solidFill>
@@ -3523,7 +3564,7 @@
               <a:pPr algn="ctr"/>
               <a:t>3</a:t>
             </a:fld>
-            <a:endParaRPr lang="en-US" sz="5900" dirty="0">
+            <a:endParaRPr lang="en-US" sz="1525" dirty="0">
               <a:solidFill>
                 <a:schemeClr val="tx1"/>
               </a:solidFill>
@@ -3581,8 +3622,8 @@
         </p:nvSpPr>
         <p:spPr>
           <a:xfrm>
-            <a:off x="30708600" y="46024801"/>
-            <a:ext cx="3581400" cy="3503612"/>
+            <a:off x="8675516" y="11896022"/>
+            <a:ext cx="925684" cy="905578"/>
           </a:xfrm>
         </p:spPr>
         <p:txBody>
@@ -3591,7 +3632,7 @@
           <a:p>
             <a:pPr algn="ctr"/>
             <a:fld id="{11D0A773-BF7F-4CBF-B7E7-0432432A8E8B}" type="slidenum">
-              <a:rPr lang="en-US" sz="5900" smtClean="0">
+              <a:rPr lang="en-US" sz="1525">
                 <a:solidFill>
                   <a:schemeClr val="tx1"/>
                 </a:solidFill>
@@ -3601,7 +3642,7 @@
               <a:pPr algn="ctr"/>
               <a:t>4</a:t>
             </a:fld>
-            <a:endParaRPr lang="en-US" sz="5900" dirty="0">
+            <a:endParaRPr lang="en-US" sz="1525" dirty="0">
               <a:solidFill>
                 <a:schemeClr val="tx1"/>
               </a:solidFill>
@@ -3615,162 +3656,6 @@
     <p:extLst>
       <p:ext uri="{BB962C8B-B14F-4D97-AF65-F5344CB8AC3E}">
         <p14:creationId xmlns:p14="http://schemas.microsoft.com/office/powerpoint/2010/main" val="288325330"/>
-      </p:ext>
-    </p:extLst>
-  </p:cSld>
-  <p:clrMapOvr>
-    <a:masterClrMapping/>
-  </p:clrMapOvr>
-</p:sld>
-</file>
-
-<file path=ppt/slides/slide5.xml><?xml version="1.0" encoding="utf-8"?>
-<p:sld xmlns:a="http://schemas.openxmlformats.org/drawingml/2006/main" xmlns:r="http://schemas.openxmlformats.org/officeDocument/2006/relationships" xmlns:p="http://schemas.openxmlformats.org/presentationml/2006/main">
-  <p:cSld>
-    <p:spTree>
-      <p:nvGrpSpPr>
-        <p:cNvPr id="1" name=""/>
-        <p:cNvGrpSpPr/>
-        <p:nvPr/>
-      </p:nvGrpSpPr>
-      <p:grpSpPr>
-        <a:xfrm>
-          <a:off x="0" y="0"/>
-          <a:ext cx="0" cy="0"/>
-          <a:chOff x="0" y="0"/>
-          <a:chExt cx="0" cy="0"/>
-        </a:xfrm>
-      </p:grpSpPr>
-      <p:sp>
-        <p:nvSpPr>
-          <p:cNvPr id="10" name="Slide Number Placeholder 9">
-            <a:extLst>
-              <a:ext uri="{FF2B5EF4-FFF2-40B4-BE49-F238E27FC236}">
-                <a16:creationId xmlns:a16="http://schemas.microsoft.com/office/drawing/2014/main" id="{BCA611D3-E625-423F-9C5A-3431FDECC12E}"/>
-              </a:ext>
-            </a:extLst>
-          </p:cNvPr>
-          <p:cNvSpPr>
-            <a:spLocks noGrp="1"/>
-          </p:cNvSpPr>
-          <p:nvPr>
-            <p:ph type="sldNum" sz="quarter" idx="12"/>
-          </p:nvPr>
-        </p:nvSpPr>
-        <p:spPr>
-          <a:xfrm>
-            <a:off x="30708600" y="46024801"/>
-            <a:ext cx="3581400" cy="3503612"/>
-          </a:xfrm>
-        </p:spPr>
-        <p:txBody>
-          <a:bodyPr/>
-          <a:lstStyle/>
-          <a:p>
-            <a:pPr algn="ctr"/>
-            <a:fld id="{11D0A773-BF7F-4CBF-B7E7-0432432A8E8B}" type="slidenum">
-              <a:rPr lang="en-US" sz="5900" smtClean="0">
-                <a:solidFill>
-                  <a:schemeClr val="tx1"/>
-                </a:solidFill>
-                <a:latin typeface="Ubuntu Mono" panose="020B0509030602030204" pitchFamily="49" charset="0"/>
-                <a:cs typeface="Times New Roman" panose="02020603050405020304" pitchFamily="18" charset="0"/>
-              </a:rPr>
-              <a:pPr algn="ctr"/>
-              <a:t>5</a:t>
-            </a:fld>
-            <a:endParaRPr lang="en-US" sz="5900" dirty="0">
-              <a:solidFill>
-                <a:schemeClr val="tx1"/>
-              </a:solidFill>
-              <a:latin typeface="Ubuntu Mono" panose="020B0509030602030204" pitchFamily="49" charset="0"/>
-              <a:cs typeface="Times New Roman" panose="02020603050405020304" pitchFamily="18" charset="0"/>
-            </a:endParaRPr>
-          </a:p>
-        </p:txBody>
-      </p:sp>
-    </p:spTree>
-    <p:extLst>
-      <p:ext uri="{BB962C8B-B14F-4D97-AF65-F5344CB8AC3E}">
-        <p14:creationId xmlns:p14="http://schemas.microsoft.com/office/powerpoint/2010/main" val="2749857944"/>
-      </p:ext>
-    </p:extLst>
-  </p:cSld>
-  <p:clrMapOvr>
-    <a:masterClrMapping/>
-  </p:clrMapOvr>
-</p:sld>
-</file>
-
-<file path=ppt/slides/slide6.xml><?xml version="1.0" encoding="utf-8"?>
-<p:sld xmlns:a="http://schemas.openxmlformats.org/drawingml/2006/main" xmlns:r="http://schemas.openxmlformats.org/officeDocument/2006/relationships" xmlns:p="http://schemas.openxmlformats.org/presentationml/2006/main">
-  <p:cSld>
-    <p:spTree>
-      <p:nvGrpSpPr>
-        <p:cNvPr id="1" name=""/>
-        <p:cNvGrpSpPr/>
-        <p:nvPr/>
-      </p:nvGrpSpPr>
-      <p:grpSpPr>
-        <a:xfrm>
-          <a:off x="0" y="0"/>
-          <a:ext cx="0" cy="0"/>
-          <a:chOff x="0" y="0"/>
-          <a:chExt cx="0" cy="0"/>
-        </a:xfrm>
-      </p:grpSpPr>
-      <p:sp>
-        <p:nvSpPr>
-          <p:cNvPr id="10" name="Slide Number Placeholder 9">
-            <a:extLst>
-              <a:ext uri="{FF2B5EF4-FFF2-40B4-BE49-F238E27FC236}">
-                <a16:creationId xmlns:a16="http://schemas.microsoft.com/office/drawing/2014/main" id="{BCA611D3-E625-423F-9C5A-3431FDECC12E}"/>
-              </a:ext>
-            </a:extLst>
-          </p:cNvPr>
-          <p:cNvSpPr>
-            <a:spLocks noGrp="1"/>
-          </p:cNvSpPr>
-          <p:nvPr>
-            <p:ph type="sldNum" sz="quarter" idx="12"/>
-          </p:nvPr>
-        </p:nvSpPr>
-        <p:spPr>
-          <a:xfrm>
-            <a:off x="30708600" y="46024801"/>
-            <a:ext cx="3581400" cy="3503612"/>
-          </a:xfrm>
-        </p:spPr>
-        <p:txBody>
-          <a:bodyPr/>
-          <a:lstStyle/>
-          <a:p>
-            <a:pPr algn="ctr"/>
-            <a:fld id="{11D0A773-BF7F-4CBF-B7E7-0432432A8E8B}" type="slidenum">
-              <a:rPr lang="en-US" sz="5900" smtClean="0">
-                <a:solidFill>
-                  <a:schemeClr val="tx1"/>
-                </a:solidFill>
-                <a:latin typeface="Ubuntu Mono" panose="020B0509030602030204" pitchFamily="49" charset="0"/>
-                <a:cs typeface="Times New Roman" panose="02020603050405020304" pitchFamily="18" charset="0"/>
-              </a:rPr>
-              <a:pPr algn="ctr"/>
-              <a:t>6</a:t>
-            </a:fld>
-            <a:endParaRPr lang="en-US" sz="5900" dirty="0">
-              <a:solidFill>
-                <a:schemeClr val="tx1"/>
-              </a:solidFill>
-              <a:latin typeface="Ubuntu Mono" panose="020B0509030602030204" pitchFamily="49" charset="0"/>
-              <a:cs typeface="Times New Roman" panose="02020603050405020304" pitchFamily="18" charset="0"/>
-            </a:endParaRPr>
-          </a:p>
-        </p:txBody>
-      </p:sp>
-    </p:spTree>
-    <p:extLst>
-      <p:ext uri="{BB962C8B-B14F-4D97-AF65-F5344CB8AC3E}">
-        <p14:creationId xmlns:p14="http://schemas.microsoft.com/office/powerpoint/2010/main" val="2868675745"/>
       </p:ext>
     </p:extLst>
   </p:cSld>
